--- a/chapter 06 - Neural Network/Programming Task/Neural Network.pptx
+++ b/chapter 06 - Neural Network/Programming Task/Neural Network.pptx
@@ -5,7 +5,7 @@
     <p:sldMasterId id="2147483648" r:id="rId1"/>
   </p:sldMasterIdLst>
   <p:notesMasterIdLst>
-    <p:notesMasterId r:id="rId19"/>
+    <p:notesMasterId r:id="rId20"/>
   </p:notesMasterIdLst>
   <p:sldIdLst>
     <p:sldId id="256" r:id="rId2"/>
@@ -17,32 +17,33 @@
     <p:sldId id="262" r:id="rId8"/>
     <p:sldId id="263" r:id="rId9"/>
     <p:sldId id="264" r:id="rId10"/>
-    <p:sldId id="272" r:id="rId11"/>
-    <p:sldId id="265" r:id="rId12"/>
-    <p:sldId id="267" r:id="rId13"/>
-    <p:sldId id="269" r:id="rId14"/>
-    <p:sldId id="270" r:id="rId15"/>
-    <p:sldId id="273" r:id="rId16"/>
-    <p:sldId id="266" r:id="rId17"/>
-    <p:sldId id="274" r:id="rId18"/>
+    <p:sldId id="275" r:id="rId11"/>
+    <p:sldId id="272" r:id="rId12"/>
+    <p:sldId id="265" r:id="rId13"/>
+    <p:sldId id="267" r:id="rId14"/>
+    <p:sldId id="269" r:id="rId15"/>
+    <p:sldId id="270" r:id="rId16"/>
+    <p:sldId id="273" r:id="rId17"/>
+    <p:sldId id="266" r:id="rId18"/>
+    <p:sldId id="274" r:id="rId19"/>
   </p:sldIdLst>
   <p:sldSz cx="9144000" cy="6858000" type="screen4x3"/>
   <p:notesSz cx="6858000" cy="9144000"/>
   <p:embeddedFontLst>
     <p:embeddedFont>
       <p:font typeface="Open Sans Light" panose="020B0604020202020204" charset="0"/>
-      <p:regular r:id="rId20"/>
+      <p:regular r:id="rId21"/>
     </p:embeddedFont>
     <p:embeddedFont>
       <p:font typeface="腾祥嘉丽线黑简" panose="02010600030101010101" charset="-122"/>
-      <p:regular r:id="rId21"/>
+      <p:regular r:id="rId22"/>
     </p:embeddedFont>
     <p:embeddedFont>
       <p:font typeface="Calibri" panose="020F0502020204030204" pitchFamily="34" charset="0"/>
-      <p:regular r:id="rId22"/>
-      <p:bold r:id="rId23"/>
-      <p:italic r:id="rId24"/>
-      <p:boldItalic r:id="rId25"/>
+      <p:regular r:id="rId23"/>
+      <p:bold r:id="rId24"/>
+      <p:italic r:id="rId25"/>
+      <p:boldItalic r:id="rId26"/>
     </p:embeddedFont>
   </p:embeddedFontLst>
   <p:defaultTextStyle>
@@ -241,7 +242,7 @@
           <a:p>
             <a:fld id="{E91DDA70-9ABB-48BD-AFA1-521354C93EB2}" type="datetimeFigureOut">
               <a:rPr lang="zh-CN" altLang="en-US" smtClean="0"/>
-              <a:t>2018/4/16</a:t>
+              <a:t>2018/4/17</a:t>
             </a:fld>
             <a:endParaRPr lang="zh-CN" altLang="en-US"/>
           </a:p>
@@ -707,7 +708,7 @@
           <a:p>
             <a:fld id="{BF353E24-75C5-4466-B8AD-0A8FC8EA8740}" type="datetimeFigureOut">
               <a:rPr lang="zh-CN" altLang="en-US" smtClean="0"/>
-              <a:t>2018/4/16</a:t>
+              <a:t>2018/4/17</a:t>
             </a:fld>
             <a:endParaRPr lang="zh-CN" altLang="en-US"/>
           </a:p>
@@ -1515,7 +1516,7 @@
           <a:p>
             <a:fld id="{BF353E24-75C5-4466-B8AD-0A8FC8EA8740}" type="datetimeFigureOut">
               <a:rPr lang="zh-CN" altLang="en-US" smtClean="0"/>
-              <a:t>2018/4/16</a:t>
+              <a:t>2018/4/17</a:t>
             </a:fld>
             <a:endParaRPr lang="zh-CN" altLang="en-US"/>
           </a:p>
@@ -1886,7 +1887,7 @@
             <a:fld id="{BF353E24-75C5-4466-B8AD-0A8FC8EA8740}" type="datetimeFigureOut">
               <a:rPr lang="zh-CN" altLang="en-US" smtClean="0"/>
               <a:pPr/>
-              <a:t>2018/4/16</a:t>
+              <a:t>2018/4/17</a:t>
             </a:fld>
             <a:endParaRPr lang="zh-CN" altLang="en-US" dirty="0"/>
           </a:p>
@@ -2483,7 +2484,7 @@
           <a:p>
             <a:fld id="{BF353E24-75C5-4466-B8AD-0A8FC8EA8740}" type="datetimeFigureOut">
               <a:rPr lang="zh-CN" altLang="en-US" smtClean="0"/>
-              <a:t>2018/4/16</a:t>
+              <a:t>2018/4/17</a:t>
             </a:fld>
             <a:endParaRPr lang="zh-CN" altLang="en-US"/>
           </a:p>
@@ -2913,7 +2914,7 @@
           <a:p>
             <a:fld id="{BF353E24-75C5-4466-B8AD-0A8FC8EA8740}" type="datetimeFigureOut">
               <a:rPr lang="zh-CN" altLang="en-US" smtClean="0"/>
-              <a:t>2018/4/16</a:t>
+              <a:t>2018/4/17</a:t>
             </a:fld>
             <a:endParaRPr lang="zh-CN" altLang="en-US"/>
           </a:p>
@@ -3812,7 +3813,7 @@
           <a:p>
             <a:fld id="{BF353E24-75C5-4466-B8AD-0A8FC8EA8740}" type="datetimeFigureOut">
               <a:rPr lang="zh-CN" altLang="en-US" smtClean="0"/>
-              <a:t>2018/4/16</a:t>
+              <a:t>2018/4/17</a:t>
             </a:fld>
             <a:endParaRPr lang="zh-CN" altLang="en-US"/>
           </a:p>
@@ -4198,7 +4199,7 @@
           <a:p>
             <a:fld id="{BF353E24-75C5-4466-B8AD-0A8FC8EA8740}" type="datetimeFigureOut">
               <a:rPr lang="zh-CN" altLang="en-US" smtClean="0"/>
-              <a:t>2018/4/16</a:t>
+              <a:t>2018/4/17</a:t>
             </a:fld>
             <a:endParaRPr lang="zh-CN" altLang="en-US"/>
           </a:p>
@@ -4413,7 +4414,7 @@
           <a:p>
             <a:fld id="{BF353E24-75C5-4466-B8AD-0A8FC8EA8740}" type="datetimeFigureOut">
               <a:rPr lang="zh-CN" altLang="en-US" smtClean="0"/>
-              <a:t>2018/4/16</a:t>
+              <a:t>2018/4/17</a:t>
             </a:fld>
             <a:endParaRPr lang="zh-CN" altLang="en-US"/>
           </a:p>
@@ -4647,7 +4648,7 @@
             <a:fld id="{BF353E24-75C5-4466-B8AD-0A8FC8EA8740}" type="datetimeFigureOut">
               <a:rPr lang="zh-CN" altLang="en-US" smtClean="0"/>
               <a:pPr/>
-              <a:t>2018/4/16</a:t>
+              <a:t>2018/4/17</a:t>
             </a:fld>
             <a:endParaRPr lang="zh-CN" altLang="en-US"/>
           </a:p>
@@ -5174,66 +5175,14 @@
           <a:bodyPr/>
           <a:lstStyle/>
           <a:p>
-            <a:pPr marL="342900" indent="-342900">
+            <a:pPr marL="457200" indent="-457200">
               <a:buFont typeface="Wingdings" panose="05000000000000000000" pitchFamily="2" charset="2"/>
               <a:buChar char="l"/>
             </a:pPr>
             <a:r>
               <a:rPr lang="en-US" altLang="zh-CN" dirty="0" smtClean="0"/>
-              <a:t>Loading data:</a:t>
-            </a:r>
-          </a:p>
-          <a:p>
-            <a:pPr marL="342900" indent="-342900">
-              <a:buFont typeface="Wingdings" panose="05000000000000000000" pitchFamily="2" charset="2"/>
-              <a:buChar char="l"/>
-            </a:pPr>
-            <a:endParaRPr lang="en-US" altLang="zh-CN" dirty="0"/>
-          </a:p>
-          <a:p>
-            <a:pPr marL="342900" indent="-342900">
-              <a:buFont typeface="Wingdings" panose="05000000000000000000" pitchFamily="2" charset="2"/>
-              <a:buChar char="l"/>
-            </a:pPr>
-            <a:endParaRPr lang="en-US" altLang="zh-CN" dirty="0" smtClean="0"/>
-          </a:p>
-          <a:p>
-            <a:pPr marL="342900" indent="-342900">
-              <a:buFont typeface="Wingdings" panose="05000000000000000000" pitchFamily="2" charset="2"/>
-              <a:buChar char="l"/>
-            </a:pPr>
-            <a:endParaRPr lang="en-US" altLang="zh-CN" dirty="0"/>
-          </a:p>
-          <a:p>
-            <a:pPr marL="342900" indent="-342900">
-              <a:buFont typeface="Wingdings" panose="05000000000000000000" pitchFamily="2" charset="2"/>
-              <a:buChar char="l"/>
-            </a:pPr>
-            <a:endParaRPr lang="en-US" altLang="zh-CN" dirty="0" smtClean="0"/>
-          </a:p>
-          <a:p>
-            <a:pPr marL="342900" indent="-342900">
-              <a:buFont typeface="Wingdings" panose="05000000000000000000" pitchFamily="2" charset="2"/>
-              <a:buChar char="l"/>
-            </a:pPr>
-            <a:r>
-              <a:rPr lang="en-US" altLang="zh-CN" dirty="0" smtClean="0"/>
-              <a:t>Convert </a:t>
-            </a:r>
-            <a:r>
-              <a:rPr lang="en-US" altLang="zh-CN" dirty="0" err="1" smtClean="0"/>
-              <a:t>y_train</a:t>
-            </a:r>
-            <a:r>
-              <a:rPr lang="en-US" altLang="zh-CN" dirty="0" smtClean="0"/>
-              <a:t> to One-hot Representation</a:t>
-            </a:r>
-          </a:p>
-          <a:p>
-            <a:pPr marL="342900" indent="-342900">
-              <a:buFont typeface="Wingdings" panose="05000000000000000000" pitchFamily="2" charset="2"/>
-              <a:buChar char="l"/>
-            </a:pPr>
+              <a:t>Overview</a:t>
+            </a:r>
             <a:endParaRPr lang="zh-CN" altLang="en-US" dirty="0"/>
           </a:p>
         </p:txBody>
@@ -5248,138 +5197,47 @@
             <p:ph type="title"/>
           </p:nvPr>
         </p:nvSpPr>
+        <p:spPr/>
+        <p:txBody>
+          <a:bodyPr/>
+          <a:lstStyle/>
+          <a:p>
+            <a:r>
+              <a:rPr lang="en-US" altLang="zh-CN" dirty="0" smtClean="0"/>
+              <a:t>Multi-layer Perceptron</a:t>
+            </a:r>
+            <a:endParaRPr lang="zh-CN" altLang="en-US" dirty="0"/>
+          </a:p>
+        </p:txBody>
+      </p:sp>
+      <p:pic>
+        <p:nvPicPr>
+          <p:cNvPr id="4" name="图片 3"/>
+          <p:cNvPicPr>
+            <a:picLocks noChangeAspect="1"/>
+          </p:cNvPicPr>
+          <p:nvPr/>
+        </p:nvPicPr>
+        <p:blipFill>
+          <a:blip r:embed="rId2"/>
+          <a:stretch>
+            <a:fillRect/>
+          </a:stretch>
+        </p:blipFill>
         <p:spPr>
           <a:xfrm>
-            <a:off x="1115616" y="260648"/>
-            <a:ext cx="7776864" cy="648072"/>
-          </a:xfrm>
-        </p:spPr>
-        <p:txBody>
-          <a:bodyPr/>
-          <a:lstStyle/>
-          <a:p>
-            <a:r>
-              <a:rPr lang="en-US" altLang="zh-CN" dirty="0" smtClean="0"/>
-              <a:t>Multi-layer Perceptron - TensorFlow</a:t>
-            </a:r>
-            <a:endParaRPr lang="zh-CN" altLang="en-US" dirty="0"/>
-          </a:p>
-        </p:txBody>
-      </p:sp>
-      <p:sp>
-        <p:nvSpPr>
-          <p:cNvPr id="5" name="矩形 4"/>
-          <p:cNvSpPr/>
-          <p:nvPr/>
-        </p:nvSpPr>
-        <p:spPr>
-          <a:xfrm>
-            <a:off x="755576" y="1988840"/>
-            <a:ext cx="7272808" cy="1477328"/>
+            <a:off x="683568" y="2204864"/>
+            <a:ext cx="7883712" cy="2643392"/>
           </a:xfrm>
           <a:prstGeom prst="rect">
             <a:avLst/>
           </a:prstGeom>
         </p:spPr>
-        <p:txBody>
-          <a:bodyPr wrap="square">
-            <a:spAutoFit/>
-          </a:bodyPr>
-          <a:lstStyle/>
-          <a:p>
-            <a:r>
-              <a:rPr lang="zh-CN" altLang="en-US" dirty="0"/>
-              <a:t>train_file = os.path.join('data', 'train.csv')</a:t>
-            </a:r>
-          </a:p>
-          <a:p>
-            <a:r>
-              <a:rPr lang="zh-CN" altLang="en-US" dirty="0"/>
-              <a:t>test_file = os.path.join('data', 'test.csv')</a:t>
-            </a:r>
-          </a:p>
-          <a:p>
-            <a:r>
-              <a:rPr lang="zh-CN" altLang="en-US" dirty="0"/>
-              <a:t>x_train, y_train = load_train_data(train_file)</a:t>
-            </a:r>
-          </a:p>
-          <a:p>
-            <a:r>
-              <a:rPr lang="zh-CN" altLang="en-US" dirty="0" smtClean="0"/>
-              <a:t>x</a:t>
-            </a:r>
-            <a:r>
-              <a:rPr lang="zh-CN" altLang="en-US" dirty="0"/>
-              <a:t>_test = load_test_data(test_file</a:t>
-            </a:r>
-            <a:r>
-              <a:rPr lang="zh-CN" altLang="en-US" dirty="0" smtClean="0"/>
-              <a:t>)</a:t>
-            </a:r>
-            <a:endParaRPr lang="en-US" altLang="zh-CN" dirty="0" smtClean="0"/>
-          </a:p>
-          <a:p>
-            <a:endParaRPr lang="en-US" altLang="zh-CN" dirty="0"/>
-          </a:p>
-        </p:txBody>
-      </p:sp>
-      <p:sp>
-        <p:nvSpPr>
-          <p:cNvPr id="6" name="矩形 5"/>
-          <p:cNvSpPr/>
-          <p:nvPr/>
-        </p:nvSpPr>
-        <p:spPr>
-          <a:xfrm>
-            <a:off x="779889" y="4187317"/>
-            <a:ext cx="3995517" cy="646331"/>
-          </a:xfrm>
-          <a:prstGeom prst="rect">
-            <a:avLst/>
-          </a:prstGeom>
-        </p:spPr>
-        <p:txBody>
-          <a:bodyPr wrap="none">
-            <a:spAutoFit/>
-          </a:bodyPr>
-          <a:lstStyle/>
-          <a:p>
-            <a:r>
-              <a:rPr lang="en-US" altLang="zh-CN" dirty="0"/>
-              <a:t>from </a:t>
-            </a:r>
-            <a:r>
-              <a:rPr lang="en-US" altLang="zh-CN" dirty="0" err="1"/>
-              <a:t>keras.utils</a:t>
-            </a:r>
-            <a:r>
-              <a:rPr lang="en-US" altLang="zh-CN" dirty="0"/>
-              <a:t> import </a:t>
-            </a:r>
-            <a:r>
-              <a:rPr lang="en-US" altLang="zh-CN" dirty="0" err="1"/>
-              <a:t>np_utils</a:t>
-            </a:r>
-            <a:endParaRPr lang="en-US" altLang="zh-CN" dirty="0"/>
-          </a:p>
-          <a:p>
-            <a:r>
-              <a:rPr lang="zh-CN" altLang="en-US" dirty="0" smtClean="0"/>
-              <a:t>y</a:t>
-            </a:r>
-            <a:r>
-              <a:rPr lang="zh-CN" altLang="en-US" dirty="0"/>
-              <a:t>_train = np_utils.to_categorical(y_train)</a:t>
-            </a:r>
-            <a:endParaRPr lang="zh-CN" altLang="en-US" dirty="0"/>
-          </a:p>
-        </p:txBody>
-      </p:sp>
+      </p:pic>
     </p:spTree>
     <p:extLst>
       <p:ext uri="{BB962C8B-B14F-4D97-AF65-F5344CB8AC3E}">
-        <p14:creationId xmlns:p14="http://schemas.microsoft.com/office/powerpoint/2010/main" val="897437662"/>
+        <p14:creationId xmlns:p14="http://schemas.microsoft.com/office/powerpoint/2010/main" val="3222887478"/>
       </p:ext>
     </p:extLst>
   </p:cSld>
@@ -5427,7 +5285,53 @@
             </a:pPr>
             <a:r>
               <a:rPr lang="en-US" altLang="zh-CN" dirty="0" smtClean="0"/>
-              <a:t>Define the variable:</a:t>
+              <a:t>Loading data:</a:t>
+            </a:r>
+          </a:p>
+          <a:p>
+            <a:pPr marL="342900" indent="-342900">
+              <a:buFont typeface="Wingdings" panose="05000000000000000000" pitchFamily="2" charset="2"/>
+              <a:buChar char="l"/>
+            </a:pPr>
+            <a:endParaRPr lang="en-US" altLang="zh-CN" dirty="0"/>
+          </a:p>
+          <a:p>
+            <a:pPr marL="342900" indent="-342900">
+              <a:buFont typeface="Wingdings" panose="05000000000000000000" pitchFamily="2" charset="2"/>
+              <a:buChar char="l"/>
+            </a:pPr>
+            <a:endParaRPr lang="en-US" altLang="zh-CN" dirty="0" smtClean="0"/>
+          </a:p>
+          <a:p>
+            <a:pPr marL="342900" indent="-342900">
+              <a:buFont typeface="Wingdings" panose="05000000000000000000" pitchFamily="2" charset="2"/>
+              <a:buChar char="l"/>
+            </a:pPr>
+            <a:endParaRPr lang="en-US" altLang="zh-CN" dirty="0"/>
+          </a:p>
+          <a:p>
+            <a:pPr marL="342900" indent="-342900">
+              <a:buFont typeface="Wingdings" panose="05000000000000000000" pitchFamily="2" charset="2"/>
+              <a:buChar char="l"/>
+            </a:pPr>
+            <a:endParaRPr lang="en-US" altLang="zh-CN" dirty="0" smtClean="0"/>
+          </a:p>
+          <a:p>
+            <a:pPr marL="342900" indent="-342900">
+              <a:buFont typeface="Wingdings" panose="05000000000000000000" pitchFamily="2" charset="2"/>
+              <a:buChar char="l"/>
+            </a:pPr>
+            <a:r>
+              <a:rPr lang="en-US" altLang="zh-CN" dirty="0" smtClean="0"/>
+              <a:t>Convert </a:t>
+            </a:r>
+            <a:r>
+              <a:rPr lang="en-US" altLang="zh-CN" dirty="0" err="1" smtClean="0"/>
+              <a:t>y_train</a:t>
+            </a:r>
+            <a:r>
+              <a:rPr lang="en-US" altLang="zh-CN" dirty="0" smtClean="0"/>
+              <a:t> to One-hot Representation</a:t>
             </a:r>
           </a:p>
           <a:p>
@@ -5469,14 +5373,14 @@
       </p:sp>
       <p:sp>
         <p:nvSpPr>
-          <p:cNvPr id="4" name="矩形 3"/>
+          <p:cNvPr id="5" name="矩形 4"/>
           <p:cNvSpPr/>
           <p:nvPr/>
         </p:nvSpPr>
         <p:spPr>
           <a:xfrm>
-            <a:off x="827584" y="1916832"/>
-            <a:ext cx="7704856" cy="3139321"/>
+            <a:off x="755576" y="1988840"/>
+            <a:ext cx="7272808" cy="1477328"/>
           </a:xfrm>
           <a:prstGeom prst="rect">
             <a:avLst/>
@@ -5490,58 +5394,88 @@
           <a:p>
             <a:r>
               <a:rPr lang="zh-CN" altLang="en-US" dirty="0"/>
-              <a:t>x = tf.placeholder("float", [None, 784])</a:t>
-            </a:r>
-          </a:p>
-          <a:p>
-            <a:r>
-              <a:rPr lang="zh-CN" altLang="en-US" dirty="0"/>
-              <a:t>y = tf.placeholder("float", [None, 10])</a:t>
-            </a:r>
-          </a:p>
-          <a:p>
-            <a:endParaRPr lang="zh-CN" altLang="en-US" dirty="0"/>
-          </a:p>
-          <a:p>
-            <a:r>
-              <a:rPr lang="zh-CN" altLang="en-US" dirty="0"/>
-              <a:t>h1_W = tf.Variable(tf.random_normal([784, 256]))</a:t>
-            </a:r>
-          </a:p>
-          <a:p>
-            <a:r>
-              <a:rPr lang="zh-CN" altLang="en-US" dirty="0"/>
-              <a:t>h1_b = tf.Variable(tf.random_normal([256]))</a:t>
-            </a:r>
-          </a:p>
-          <a:p>
-            <a:endParaRPr lang="zh-CN" altLang="en-US" dirty="0"/>
-          </a:p>
-          <a:p>
-            <a:r>
-              <a:rPr lang="zh-CN" altLang="en-US" dirty="0"/>
-              <a:t>h2_W = tf.Variable(tf.random_normal([256, 100]))</a:t>
-            </a:r>
-          </a:p>
-          <a:p>
-            <a:r>
-              <a:rPr lang="zh-CN" altLang="en-US" dirty="0"/>
-              <a:t>h2_b = tf.Variable(tf.random_normal([100]))</a:t>
-            </a:r>
-          </a:p>
-          <a:p>
-            <a:endParaRPr lang="zh-CN" altLang="en-US" dirty="0"/>
-          </a:p>
-          <a:p>
-            <a:r>
-              <a:rPr lang="zh-CN" altLang="en-US" dirty="0"/>
-              <a:t>out_W = tf.Variable(tf.random_normal([100, 10]))</a:t>
-            </a:r>
-          </a:p>
-          <a:p>
-            <a:r>
-              <a:rPr lang="zh-CN" altLang="en-US" dirty="0"/>
-              <a:t>out_b = tf.Variable(tf.random_normal([10]))</a:t>
+              <a:t>train_file = os.path.join('data', 'train.csv')</a:t>
+            </a:r>
+          </a:p>
+          <a:p>
+            <a:r>
+              <a:rPr lang="zh-CN" altLang="en-US" dirty="0"/>
+              <a:t>test_file = os.path.join('data', 'test.csv')</a:t>
+            </a:r>
+          </a:p>
+          <a:p>
+            <a:r>
+              <a:rPr lang="zh-CN" altLang="en-US" dirty="0"/>
+              <a:t>x_train, y_train = load_train_data(train_file)</a:t>
+            </a:r>
+          </a:p>
+          <a:p>
+            <a:r>
+              <a:rPr lang="zh-CN" altLang="en-US" dirty="0" smtClean="0"/>
+              <a:t>x</a:t>
+            </a:r>
+            <a:r>
+              <a:rPr lang="zh-CN" altLang="en-US" dirty="0"/>
+              <a:t>_test = load_test_data(test_file</a:t>
+            </a:r>
+            <a:r>
+              <a:rPr lang="zh-CN" altLang="en-US" dirty="0" smtClean="0"/>
+              <a:t>)</a:t>
+            </a:r>
+            <a:endParaRPr lang="en-US" altLang="zh-CN" dirty="0" smtClean="0"/>
+          </a:p>
+          <a:p>
+            <a:endParaRPr lang="en-US" altLang="zh-CN" dirty="0"/>
+          </a:p>
+        </p:txBody>
+      </p:sp>
+      <p:sp>
+        <p:nvSpPr>
+          <p:cNvPr id="6" name="矩形 5"/>
+          <p:cNvSpPr/>
+          <p:nvPr/>
+        </p:nvSpPr>
+        <p:spPr>
+          <a:xfrm>
+            <a:off x="779889" y="4187317"/>
+            <a:ext cx="3995517" cy="646331"/>
+          </a:xfrm>
+          <a:prstGeom prst="rect">
+            <a:avLst/>
+          </a:prstGeom>
+        </p:spPr>
+        <p:txBody>
+          <a:bodyPr wrap="none">
+            <a:spAutoFit/>
+          </a:bodyPr>
+          <a:lstStyle/>
+          <a:p>
+            <a:r>
+              <a:rPr lang="en-US" altLang="zh-CN" dirty="0"/>
+              <a:t>from </a:t>
+            </a:r>
+            <a:r>
+              <a:rPr lang="en-US" altLang="zh-CN" dirty="0" err="1"/>
+              <a:t>keras.utils</a:t>
+            </a:r>
+            <a:r>
+              <a:rPr lang="en-US" altLang="zh-CN" dirty="0"/>
+              <a:t> import </a:t>
+            </a:r>
+            <a:r>
+              <a:rPr lang="en-US" altLang="zh-CN" dirty="0" err="1"/>
+              <a:t>np_utils</a:t>
+            </a:r>
+            <a:endParaRPr lang="en-US" altLang="zh-CN" dirty="0"/>
+          </a:p>
+          <a:p>
+            <a:r>
+              <a:rPr lang="zh-CN" altLang="en-US" dirty="0" smtClean="0"/>
+              <a:t>y</a:t>
+            </a:r>
+            <a:r>
+              <a:rPr lang="zh-CN" altLang="en-US" dirty="0"/>
+              <a:t>_train = np_utils.to_categorical(y_train)</a:t>
             </a:r>
           </a:p>
         </p:txBody>
@@ -5549,7 +5483,7 @@
     </p:spTree>
     <p:extLst>
       <p:ext uri="{BB962C8B-B14F-4D97-AF65-F5344CB8AC3E}">
-        <p14:creationId xmlns:p14="http://schemas.microsoft.com/office/powerpoint/2010/main" val="3346141920"/>
+        <p14:creationId xmlns:p14="http://schemas.microsoft.com/office/powerpoint/2010/main" val="897437662"/>
       </p:ext>
     </p:extLst>
   </p:cSld>
@@ -5597,38 +5531,7 @@
             </a:pPr>
             <a:r>
               <a:rPr lang="en-US" altLang="zh-CN" dirty="0" smtClean="0"/>
-              <a:t>Define the model:</a:t>
-            </a:r>
-          </a:p>
-          <a:p>
-            <a:pPr marL="342900" indent="-342900">
-              <a:buFont typeface="Wingdings" panose="05000000000000000000" pitchFamily="2" charset="2"/>
-              <a:buChar char="l"/>
-            </a:pPr>
-            <a:endParaRPr lang="en-US" altLang="zh-CN" dirty="0"/>
-          </a:p>
-          <a:p>
-            <a:pPr marL="342900" indent="-342900">
-              <a:buFont typeface="Wingdings" panose="05000000000000000000" pitchFamily="2" charset="2"/>
-              <a:buChar char="l"/>
-            </a:pPr>
-            <a:endParaRPr lang="en-US" altLang="zh-CN" dirty="0" smtClean="0"/>
-          </a:p>
-          <a:p>
-            <a:pPr marL="342900" indent="-342900">
-              <a:buFont typeface="Wingdings" panose="05000000000000000000" pitchFamily="2" charset="2"/>
-              <a:buChar char="l"/>
-            </a:pPr>
-            <a:endParaRPr lang="en-US" altLang="zh-CN" dirty="0"/>
-          </a:p>
-          <a:p>
-            <a:pPr marL="342900" indent="-342900">
-              <a:buFont typeface="Wingdings" panose="05000000000000000000" pitchFamily="2" charset="2"/>
-              <a:buChar char="l"/>
-            </a:pPr>
-            <a:r>
-              <a:rPr lang="en-US" altLang="zh-CN" dirty="0" smtClean="0"/>
-              <a:t>Define the loss function and optimizer:</a:t>
+              <a:t>Define the variable:</a:t>
             </a:r>
           </a:p>
           <a:p>
@@ -5670,14 +5573,14 @@
       </p:sp>
       <p:sp>
         <p:nvSpPr>
-          <p:cNvPr id="5" name="矩形 4"/>
+          <p:cNvPr id="4" name="矩形 3"/>
           <p:cNvSpPr/>
           <p:nvPr/>
         </p:nvSpPr>
         <p:spPr>
           <a:xfrm>
-            <a:off x="899592" y="1844824"/>
-            <a:ext cx="7704856" cy="923330"/>
+            <a:off x="827584" y="1916832"/>
+            <a:ext cx="7704856" cy="3139321"/>
           </a:xfrm>
           <a:prstGeom prst="rect">
             <a:avLst/>
@@ -5691,53 +5594,58 @@
           <a:p>
             <a:r>
               <a:rPr lang="zh-CN" altLang="en-US" dirty="0"/>
-              <a:t>hidden_layer_1 = tf.nn.sigmoid(tf.add(tf.matmul(x, h1_W), h1_b))</a:t>
-            </a:r>
-          </a:p>
-          <a:p>
-            <a:r>
-              <a:rPr lang="zh-CN" altLang="en-US" dirty="0"/>
-              <a:t>hidden_layer_2 = tf.nn.sigmoid(tf.add(tf.matmul(hidden_layer_1, h2_W), h2_b))</a:t>
-            </a:r>
-          </a:p>
-          <a:p>
-            <a:r>
-              <a:rPr lang="zh-CN" altLang="en-US" dirty="0"/>
-              <a:t>y_ = tf.matmul(hidden_layer_2, out_W) + out_b</a:t>
-            </a:r>
-          </a:p>
-        </p:txBody>
-      </p:sp>
-      <p:sp>
-        <p:nvSpPr>
-          <p:cNvPr id="6" name="矩形 5"/>
-          <p:cNvSpPr/>
-          <p:nvPr/>
-        </p:nvSpPr>
-        <p:spPr>
-          <a:xfrm>
-            <a:off x="899592" y="3666427"/>
-            <a:ext cx="7632848" cy="923330"/>
-          </a:xfrm>
-          <a:prstGeom prst="rect">
-            <a:avLst/>
-          </a:prstGeom>
-        </p:spPr>
-        <p:txBody>
-          <a:bodyPr wrap="square">
-            <a:spAutoFit/>
-          </a:bodyPr>
-          <a:lstStyle/>
-          <a:p>
-            <a:r>
-              <a:rPr lang="zh-CN" altLang="en-US" dirty="0"/>
-              <a:t>loss = tf.reduce_mean(tf.nn.softmax_cross_entropy_with_logits_v2(logits=y_, labels=y))</a:t>
-            </a:r>
-          </a:p>
-          <a:p>
-            <a:r>
-              <a:rPr lang="zh-CN" altLang="en-US" dirty="0"/>
-              <a:t>optimizer = tf.train.AdamOptimizer(0.001).minimize(loss)</a:t>
+              <a:t>x = tf.placeholder("float", [None, 784])</a:t>
+            </a:r>
+          </a:p>
+          <a:p>
+            <a:r>
+              <a:rPr lang="zh-CN" altLang="en-US" dirty="0"/>
+              <a:t>y = tf.placeholder("float", [None, 10])</a:t>
+            </a:r>
+          </a:p>
+          <a:p>
+            <a:endParaRPr lang="zh-CN" altLang="en-US" dirty="0"/>
+          </a:p>
+          <a:p>
+            <a:r>
+              <a:rPr lang="zh-CN" altLang="en-US" dirty="0"/>
+              <a:t>h1_W = tf.Variable(tf.random_normal([784, 256]))</a:t>
+            </a:r>
+          </a:p>
+          <a:p>
+            <a:r>
+              <a:rPr lang="zh-CN" altLang="en-US" dirty="0"/>
+              <a:t>h1_b = tf.Variable(tf.random_normal([256]))</a:t>
+            </a:r>
+          </a:p>
+          <a:p>
+            <a:endParaRPr lang="zh-CN" altLang="en-US" dirty="0"/>
+          </a:p>
+          <a:p>
+            <a:r>
+              <a:rPr lang="zh-CN" altLang="en-US" dirty="0"/>
+              <a:t>h2_W = tf.Variable(tf.random_normal([256, 100]))</a:t>
+            </a:r>
+          </a:p>
+          <a:p>
+            <a:r>
+              <a:rPr lang="zh-CN" altLang="en-US" dirty="0"/>
+              <a:t>h2_b = tf.Variable(tf.random_normal([100]))</a:t>
+            </a:r>
+          </a:p>
+          <a:p>
+            <a:endParaRPr lang="zh-CN" altLang="en-US" dirty="0"/>
+          </a:p>
+          <a:p>
+            <a:r>
+              <a:rPr lang="zh-CN" altLang="en-US" dirty="0"/>
+              <a:t>out_W = tf.Variable(tf.random_normal([100, 10]))</a:t>
+            </a:r>
+          </a:p>
+          <a:p>
+            <a:r>
+              <a:rPr lang="zh-CN" altLang="en-US" dirty="0"/>
+              <a:t>out_b = tf.Variable(tf.random_normal([10]))</a:t>
             </a:r>
           </a:p>
         </p:txBody>
@@ -5745,7 +5653,7 @@
     </p:spTree>
     <p:extLst>
       <p:ext uri="{BB962C8B-B14F-4D97-AF65-F5344CB8AC3E}">
-        <p14:creationId xmlns:p14="http://schemas.microsoft.com/office/powerpoint/2010/main" val="4292847628"/>
+        <p14:creationId xmlns:p14="http://schemas.microsoft.com/office/powerpoint/2010/main" val="3346141920"/>
       </p:ext>
     </p:extLst>
   </p:cSld>
@@ -5793,7 +5701,38 @@
             </a:pPr>
             <a:r>
               <a:rPr lang="en-US" altLang="zh-CN" dirty="0" smtClean="0"/>
-              <a:t>Training:</a:t>
+              <a:t>Define the model:</a:t>
+            </a:r>
+          </a:p>
+          <a:p>
+            <a:pPr marL="342900" indent="-342900">
+              <a:buFont typeface="Wingdings" panose="05000000000000000000" pitchFamily="2" charset="2"/>
+              <a:buChar char="l"/>
+            </a:pPr>
+            <a:endParaRPr lang="en-US" altLang="zh-CN" dirty="0"/>
+          </a:p>
+          <a:p>
+            <a:pPr marL="342900" indent="-342900">
+              <a:buFont typeface="Wingdings" panose="05000000000000000000" pitchFamily="2" charset="2"/>
+              <a:buChar char="l"/>
+            </a:pPr>
+            <a:endParaRPr lang="en-US" altLang="zh-CN" dirty="0" smtClean="0"/>
+          </a:p>
+          <a:p>
+            <a:pPr marL="342900" indent="-342900">
+              <a:buFont typeface="Wingdings" panose="05000000000000000000" pitchFamily="2" charset="2"/>
+              <a:buChar char="l"/>
+            </a:pPr>
+            <a:endParaRPr lang="en-US" altLang="zh-CN" dirty="0"/>
+          </a:p>
+          <a:p>
+            <a:pPr marL="342900" indent="-342900">
+              <a:buFont typeface="Wingdings" panose="05000000000000000000" pitchFamily="2" charset="2"/>
+              <a:buChar char="l"/>
+            </a:pPr>
+            <a:r>
+              <a:rPr lang="en-US" altLang="zh-CN" dirty="0" smtClean="0"/>
+              <a:t>Define the loss function and optimizer:</a:t>
             </a:r>
           </a:p>
           <a:p>
@@ -5835,14 +5774,14 @@
       </p:sp>
       <p:sp>
         <p:nvSpPr>
-          <p:cNvPr id="4" name="矩形 3"/>
+          <p:cNvPr id="5" name="矩形 4"/>
           <p:cNvSpPr/>
           <p:nvPr/>
         </p:nvSpPr>
         <p:spPr>
           <a:xfrm>
-            <a:off x="554495" y="1772816"/>
-            <a:ext cx="8352928" cy="4247317"/>
+            <a:off x="899592" y="1844824"/>
+            <a:ext cx="7704856" cy="923330"/>
           </a:xfrm>
           <a:prstGeom prst="rect">
             <a:avLst/>
@@ -5856,79 +5795,53 @@
           <a:p>
             <a:r>
               <a:rPr lang="zh-CN" altLang="en-US" dirty="0"/>
-              <a:t>with tf.Session() as sess:</a:t>
-            </a:r>
-          </a:p>
-          <a:p>
-            <a:r>
-              <a:rPr lang="zh-CN" altLang="en-US" dirty="0"/>
-              <a:t>    sess.run(tf.global_variables_initializer())</a:t>
-            </a:r>
-          </a:p>
-          <a:p>
-            <a:endParaRPr lang="zh-CN" altLang="en-US" dirty="0"/>
-          </a:p>
-          <a:p>
-            <a:r>
-              <a:rPr lang="zh-CN" altLang="en-US" dirty="0"/>
-              <a:t>    for epoch in range(nb_epoch):</a:t>
-            </a:r>
-          </a:p>
-          <a:p>
-            <a:r>
-              <a:rPr lang="zh-CN" altLang="en-US" dirty="0"/>
-              <a:t>        avg_cost = 0.</a:t>
-            </a:r>
-          </a:p>
-          <a:p>
-            <a:r>
-              <a:rPr lang="zh-CN" altLang="en-US" dirty="0"/>
-              <a:t>        total_batch = int(len(x_train) / batch_size)</a:t>
-            </a:r>
-          </a:p>
-          <a:p>
-            <a:endParaRPr lang="zh-CN" altLang="en-US" dirty="0"/>
-          </a:p>
-          <a:p>
-            <a:r>
-              <a:rPr lang="zh-CN" altLang="en-US" dirty="0"/>
-              <a:t>        for i in range(total_batch):</a:t>
-            </a:r>
-          </a:p>
-          <a:p>
-            <a:r>
-              <a:rPr lang="zh-CN" altLang="en-US" dirty="0"/>
-              <a:t>            batch_xs = x_train[i*batch_size:(i+1)*batch_size]</a:t>
-            </a:r>
-          </a:p>
-          <a:p>
-            <a:r>
-              <a:rPr lang="zh-CN" altLang="en-US" dirty="0"/>
-              <a:t>            batch_ys = y_train[i*batch_size:(i+1)*batch_size]</a:t>
-            </a:r>
-          </a:p>
-          <a:p>
-            <a:endParaRPr lang="zh-CN" altLang="en-US" dirty="0"/>
-          </a:p>
-          <a:p>
-            <a:r>
-              <a:rPr lang="zh-CN" altLang="en-US" dirty="0"/>
-              <a:t>            sess.run(optimizer, feed_dict={x: batch_xs, y: batch_ys})</a:t>
-            </a:r>
-          </a:p>
-          <a:p>
-            <a:r>
-              <a:rPr lang="zh-CN" altLang="en-US" dirty="0"/>
-              <a:t>            avg_cost = sess.run(loss, feed_dict={x: batch_xs, y: batch_ys})</a:t>
-            </a:r>
-          </a:p>
-          <a:p>
-            <a:endParaRPr lang="zh-CN" altLang="en-US" dirty="0"/>
-          </a:p>
-          <a:p>
-            <a:r>
-              <a:rPr lang="zh-CN" altLang="en-US" dirty="0"/>
-              <a:t>        print('epoch: %d, cost: %.9f' % (epoch+1, avg_cost))</a:t>
+              <a:t>hidden_layer_1 = tf.nn.sigmoid(tf.add(tf.matmul(x, h1_W), h1_b))</a:t>
+            </a:r>
+          </a:p>
+          <a:p>
+            <a:r>
+              <a:rPr lang="zh-CN" altLang="en-US" dirty="0"/>
+              <a:t>hidden_layer_2 = tf.nn.sigmoid(tf.add(tf.matmul(hidden_layer_1, h2_W), h2_b))</a:t>
+            </a:r>
+          </a:p>
+          <a:p>
+            <a:r>
+              <a:rPr lang="zh-CN" altLang="en-US" dirty="0"/>
+              <a:t>y_ = tf.matmul(hidden_layer_2, out_W) + out_b</a:t>
+            </a:r>
+          </a:p>
+        </p:txBody>
+      </p:sp>
+      <p:sp>
+        <p:nvSpPr>
+          <p:cNvPr id="6" name="矩形 5"/>
+          <p:cNvSpPr/>
+          <p:nvPr/>
+        </p:nvSpPr>
+        <p:spPr>
+          <a:xfrm>
+            <a:off x="899592" y="3666427"/>
+            <a:ext cx="7632848" cy="923330"/>
+          </a:xfrm>
+          <a:prstGeom prst="rect">
+            <a:avLst/>
+          </a:prstGeom>
+        </p:spPr>
+        <p:txBody>
+          <a:bodyPr wrap="square">
+            <a:spAutoFit/>
+          </a:bodyPr>
+          <a:lstStyle/>
+          <a:p>
+            <a:r>
+              <a:rPr lang="zh-CN" altLang="en-US" dirty="0"/>
+              <a:t>loss = tf.reduce_mean(tf.nn.softmax_cross_entropy_with_logits_v2(logits=y_, labels=y))</a:t>
+            </a:r>
+          </a:p>
+          <a:p>
+            <a:r>
+              <a:rPr lang="zh-CN" altLang="en-US" dirty="0"/>
+              <a:t>optimizer = tf.train.AdamOptimizer(0.001).minimize(loss)</a:t>
             </a:r>
           </a:p>
         </p:txBody>
@@ -5936,7 +5849,7 @@
     </p:spTree>
     <p:extLst>
       <p:ext uri="{BB962C8B-B14F-4D97-AF65-F5344CB8AC3E}">
-        <p14:creationId xmlns:p14="http://schemas.microsoft.com/office/powerpoint/2010/main" val="6824852"/>
+        <p14:creationId xmlns:p14="http://schemas.microsoft.com/office/powerpoint/2010/main" val="4292847628"/>
       </p:ext>
     </p:extLst>
   </p:cSld>
@@ -5984,7 +5897,7 @@
             </a:pPr>
             <a:r>
               <a:rPr lang="en-US" altLang="zh-CN" dirty="0" smtClean="0"/>
-              <a:t>Prediction:</a:t>
+              <a:t>Training:</a:t>
             </a:r>
           </a:p>
           <a:p>
@@ -6032,8 +5945,8 @@
         </p:nvSpPr>
         <p:spPr>
           <a:xfrm>
-            <a:off x="755576" y="1916832"/>
-            <a:ext cx="6984776" cy="1477328"/>
+            <a:off x="554495" y="1772816"/>
+            <a:ext cx="8352928" cy="4247317"/>
           </a:xfrm>
           <a:prstGeom prst="rect">
             <a:avLst/>
@@ -6047,7 +5960,13 @@
           <a:p>
             <a:r>
               <a:rPr lang="zh-CN" altLang="en-US" dirty="0"/>
-              <a:t> y_pred = sess.run(y_, {x: x_test})</a:t>
+              <a:t>with tf.Session() as sess:</a:t>
+            </a:r>
+          </a:p>
+          <a:p>
+            <a:r>
+              <a:rPr lang="zh-CN" altLang="en-US" dirty="0"/>
+              <a:t>    sess.run(tf.global_variables_initializer())</a:t>
             </a:r>
           </a:p>
           <a:p>
@@ -6056,19 +5975,64 @@
           <a:p>
             <a:r>
               <a:rPr lang="zh-CN" altLang="en-US" dirty="0"/>
-              <a:t>y_pred = np.argmax(y_pred, axis=-1)</a:t>
-            </a:r>
-          </a:p>
-          <a:p>
-            <a:r>
-              <a:rPr lang="zh-CN" altLang="en-US" dirty="0"/>
-              <a:t>save_file = os.path.join('result', 'mlp_tensordlow.csv')</a:t>
-            </a:r>
-          </a:p>
-          <a:p>
-            <a:r>
-              <a:rPr lang="zh-CN" altLang="en-US" dirty="0"/>
-              <a:t>save_result(y_pred, save_file)</a:t>
+              <a:t>    for epoch in range(nb_epoch):</a:t>
+            </a:r>
+          </a:p>
+          <a:p>
+            <a:r>
+              <a:rPr lang="zh-CN" altLang="en-US" dirty="0"/>
+              <a:t>        avg_cost = 0.</a:t>
+            </a:r>
+          </a:p>
+          <a:p>
+            <a:r>
+              <a:rPr lang="zh-CN" altLang="en-US" dirty="0"/>
+              <a:t>        total_batch = int(len(x_train) / batch_size)</a:t>
+            </a:r>
+          </a:p>
+          <a:p>
+            <a:endParaRPr lang="zh-CN" altLang="en-US" dirty="0"/>
+          </a:p>
+          <a:p>
+            <a:r>
+              <a:rPr lang="zh-CN" altLang="en-US" dirty="0"/>
+              <a:t>        for i in range(total_batch):</a:t>
+            </a:r>
+          </a:p>
+          <a:p>
+            <a:r>
+              <a:rPr lang="zh-CN" altLang="en-US" dirty="0"/>
+              <a:t>            batch_xs = x_train[i*batch_size:(i+1)*batch_size]</a:t>
+            </a:r>
+          </a:p>
+          <a:p>
+            <a:r>
+              <a:rPr lang="zh-CN" altLang="en-US" dirty="0"/>
+              <a:t>            batch_ys = y_train[i*batch_size:(i+1)*batch_size]</a:t>
+            </a:r>
+          </a:p>
+          <a:p>
+            <a:endParaRPr lang="zh-CN" altLang="en-US" dirty="0"/>
+          </a:p>
+          <a:p>
+            <a:r>
+              <a:rPr lang="zh-CN" altLang="en-US" dirty="0"/>
+              <a:t>            sess.run(optimizer, feed_dict={x: batch_xs, y: batch_ys})</a:t>
+            </a:r>
+          </a:p>
+          <a:p>
+            <a:r>
+              <a:rPr lang="zh-CN" altLang="en-US" dirty="0"/>
+              <a:t>            avg_cost = sess.run(loss, feed_dict={x: batch_xs, y: batch_ys})</a:t>
+            </a:r>
+          </a:p>
+          <a:p>
+            <a:endParaRPr lang="zh-CN" altLang="en-US" dirty="0"/>
+          </a:p>
+          <a:p>
+            <a:r>
+              <a:rPr lang="zh-CN" altLang="en-US" dirty="0"/>
+              <a:t>        print('epoch: %d, cost: %.9f' % (epoch+1, avg_cost))</a:t>
             </a:r>
           </a:p>
         </p:txBody>
@@ -6076,7 +6040,7 @@
     </p:spTree>
     <p:extLst>
       <p:ext uri="{BB962C8B-B14F-4D97-AF65-F5344CB8AC3E}">
-        <p14:creationId xmlns:p14="http://schemas.microsoft.com/office/powerpoint/2010/main" val="2001625686"/>
+        <p14:creationId xmlns:p14="http://schemas.microsoft.com/office/powerpoint/2010/main" val="6824852"/>
       </p:ext>
     </p:extLst>
   </p:cSld>
@@ -6105,6 +6069,39 @@
       </p:grpSpPr>
       <p:sp>
         <p:nvSpPr>
+          <p:cNvPr id="2" name="内容占位符 1"/>
+          <p:cNvSpPr>
+            <a:spLocks noGrp="1"/>
+          </p:cNvSpPr>
+          <p:nvPr>
+            <p:ph sz="half" idx="2"/>
+          </p:nvPr>
+        </p:nvSpPr>
+        <p:spPr/>
+        <p:txBody>
+          <a:bodyPr/>
+          <a:lstStyle/>
+          <a:p>
+            <a:pPr marL="342900" indent="-342900">
+              <a:buFont typeface="Wingdings" panose="05000000000000000000" pitchFamily="2" charset="2"/>
+              <a:buChar char="l"/>
+            </a:pPr>
+            <a:r>
+              <a:rPr lang="en-US" altLang="zh-CN" dirty="0" smtClean="0"/>
+              <a:t>Prediction:</a:t>
+            </a:r>
+          </a:p>
+          <a:p>
+            <a:pPr marL="342900" indent="-342900">
+              <a:buFont typeface="Wingdings" panose="05000000000000000000" pitchFamily="2" charset="2"/>
+              <a:buChar char="l"/>
+            </a:pPr>
+            <a:endParaRPr lang="zh-CN" altLang="en-US" dirty="0"/>
+          </a:p>
+        </p:txBody>
+      </p:sp>
+      <p:sp>
+        <p:nvSpPr>
           <p:cNvPr id="3" name="标题 2"/>
           <p:cNvSpPr>
             <a:spLocks noGrp="1"/>
@@ -6113,113 +6110,34 @@
             <p:ph type="title"/>
           </p:nvPr>
         </p:nvSpPr>
-        <p:spPr/>
-        <p:txBody>
-          <a:bodyPr/>
-          <a:lstStyle/>
-          <a:p>
-            <a:r>
-              <a:rPr lang="en-US" altLang="zh-CN" dirty="0"/>
-              <a:t>Multi-layer Perceptron - Keras</a:t>
-            </a:r>
-            <a:endParaRPr lang="zh-CN" altLang="en-US" dirty="0"/>
-          </a:p>
-        </p:txBody>
-      </p:sp>
-      <p:sp>
-        <p:nvSpPr>
-          <p:cNvPr id="4" name="内容占位符 1"/>
-          <p:cNvSpPr>
-            <a:spLocks noGrp="1"/>
-          </p:cNvSpPr>
-          <p:nvPr>
-            <p:ph sz="half" idx="2"/>
-          </p:nvPr>
-        </p:nvSpPr>
         <p:spPr>
           <a:xfrm>
-            <a:off x="457200" y="1268760"/>
-            <a:ext cx="8229600" cy="4857403"/>
+            <a:off x="1115616" y="260648"/>
+            <a:ext cx="7776864" cy="648072"/>
           </a:xfrm>
         </p:spPr>
         <p:txBody>
           <a:bodyPr/>
           <a:lstStyle/>
           <a:p>
-            <a:pPr marL="342900" indent="-342900">
-              <a:buFont typeface="Wingdings" panose="05000000000000000000" pitchFamily="2" charset="2"/>
-              <a:buChar char="l"/>
-            </a:pPr>
             <a:r>
               <a:rPr lang="en-US" altLang="zh-CN" dirty="0" smtClean="0"/>
-              <a:t>Loading data:</a:t>
-            </a:r>
-          </a:p>
-          <a:p>
-            <a:pPr marL="342900" indent="-342900">
-              <a:buFont typeface="Wingdings" panose="05000000000000000000" pitchFamily="2" charset="2"/>
-              <a:buChar char="l"/>
-            </a:pPr>
-            <a:endParaRPr lang="en-US" altLang="zh-CN" dirty="0"/>
-          </a:p>
-          <a:p>
-            <a:pPr marL="342900" indent="-342900">
-              <a:buFont typeface="Wingdings" panose="05000000000000000000" pitchFamily="2" charset="2"/>
-              <a:buChar char="l"/>
-            </a:pPr>
-            <a:endParaRPr lang="en-US" altLang="zh-CN" dirty="0" smtClean="0"/>
-          </a:p>
-          <a:p>
-            <a:pPr marL="342900" indent="-342900">
-              <a:buFont typeface="Wingdings" panose="05000000000000000000" pitchFamily="2" charset="2"/>
-              <a:buChar char="l"/>
-            </a:pPr>
-            <a:endParaRPr lang="en-US" altLang="zh-CN" dirty="0"/>
-          </a:p>
-          <a:p>
-            <a:pPr marL="342900" indent="-342900">
-              <a:buFont typeface="Wingdings" panose="05000000000000000000" pitchFamily="2" charset="2"/>
-              <a:buChar char="l"/>
-            </a:pPr>
-            <a:endParaRPr lang="en-US" altLang="zh-CN" dirty="0" smtClean="0"/>
-          </a:p>
-          <a:p>
-            <a:pPr marL="342900" indent="-342900">
-              <a:buFont typeface="Wingdings" panose="05000000000000000000" pitchFamily="2" charset="2"/>
-              <a:buChar char="l"/>
-            </a:pPr>
-            <a:r>
-              <a:rPr lang="en-US" altLang="zh-CN" dirty="0" smtClean="0"/>
-              <a:t>Convert </a:t>
-            </a:r>
-            <a:r>
-              <a:rPr lang="en-US" altLang="zh-CN" dirty="0" err="1" smtClean="0"/>
-              <a:t>y_train</a:t>
-            </a:r>
-            <a:r>
-              <a:rPr lang="en-US" altLang="zh-CN" dirty="0" smtClean="0"/>
-              <a:t> to One-hot Representation</a:t>
-            </a:r>
-          </a:p>
-          <a:p>
-            <a:pPr marL="342900" indent="-342900">
-              <a:buFont typeface="Wingdings" panose="05000000000000000000" pitchFamily="2" charset="2"/>
-              <a:buChar char="l"/>
-            </a:pPr>
+              <a:t>Multi-layer Perceptron - TensorFlow</a:t>
+            </a:r>
             <a:endParaRPr lang="zh-CN" altLang="en-US" dirty="0"/>
           </a:p>
         </p:txBody>
       </p:sp>
       <p:sp>
         <p:nvSpPr>
-          <p:cNvPr id="5" name="矩形 4"/>
+          <p:cNvPr id="4" name="矩形 3"/>
           <p:cNvSpPr/>
           <p:nvPr/>
         </p:nvSpPr>
         <p:spPr>
           <a:xfrm>
-            <a:off x="755576" y="1988840"/>
-            <a:ext cx="7272808" cy="1477328"/>
+            <a:off x="755576" y="1916832"/>
+            <a:ext cx="6984776" cy="1477328"/>
           </a:xfrm>
           <a:prstGeom prst="rect">
             <a:avLst/>
@@ -6233,97 +6151,36 @@
           <a:p>
             <a:r>
               <a:rPr lang="zh-CN" altLang="en-US" dirty="0"/>
-              <a:t>train_file = os.path.join('data', 'train.csv')</a:t>
-            </a:r>
-          </a:p>
-          <a:p>
-            <a:r>
-              <a:rPr lang="zh-CN" altLang="en-US" dirty="0"/>
-              <a:t>test_file = os.path.join('data', 'test.csv')</a:t>
-            </a:r>
-          </a:p>
-          <a:p>
-            <a:r>
-              <a:rPr lang="zh-CN" altLang="en-US" dirty="0"/>
-              <a:t>x_train, y_train = load_train_data(train_file)</a:t>
-            </a:r>
-          </a:p>
-          <a:p>
-            <a:r>
-              <a:rPr lang="zh-CN" altLang="en-US" dirty="0" smtClean="0"/>
-              <a:t>x</a:t>
-            </a:r>
-            <a:r>
-              <a:rPr lang="zh-CN" altLang="en-US" dirty="0"/>
-              <a:t>_test = load_test_data(test_file</a:t>
-            </a:r>
-            <a:r>
-              <a:rPr lang="zh-CN" altLang="en-US" dirty="0" smtClean="0"/>
-              <a:t>)</a:t>
-            </a:r>
-            <a:endParaRPr lang="en-US" altLang="zh-CN" dirty="0" smtClean="0"/>
-          </a:p>
-          <a:p>
-            <a:endParaRPr lang="en-US" altLang="zh-CN" dirty="0"/>
-          </a:p>
-        </p:txBody>
-      </p:sp>
-      <p:sp>
-        <p:nvSpPr>
-          <p:cNvPr id="6" name="矩形 5"/>
-          <p:cNvSpPr/>
-          <p:nvPr/>
-        </p:nvSpPr>
-        <p:spPr>
-          <a:xfrm>
-            <a:off x="779889" y="4187317"/>
-            <a:ext cx="3995517" cy="646331"/>
-          </a:xfrm>
-          <a:prstGeom prst="rect">
-            <a:avLst/>
-          </a:prstGeom>
-        </p:spPr>
-        <p:txBody>
-          <a:bodyPr wrap="none">
-            <a:spAutoFit/>
-          </a:bodyPr>
-          <a:lstStyle/>
-          <a:p>
-            <a:r>
-              <a:rPr lang="en-US" altLang="zh-CN" dirty="0"/>
-              <a:t>from </a:t>
-            </a:r>
-            <a:r>
-              <a:rPr lang="en-US" altLang="zh-CN" dirty="0" err="1"/>
-              <a:t>keras.utils</a:t>
-            </a:r>
-            <a:r>
-              <a:rPr lang="en-US" altLang="zh-CN" dirty="0"/>
-              <a:t> import </a:t>
-            </a:r>
-            <a:r>
-              <a:rPr lang="en-US" altLang="zh-CN" dirty="0" err="1"/>
-              <a:t>np_utils</a:t>
-            </a:r>
-            <a:endParaRPr lang="en-US" altLang="zh-CN" dirty="0"/>
-          </a:p>
-          <a:p>
-            <a:r>
-              <a:rPr lang="zh-CN" altLang="en-US" dirty="0" smtClean="0"/>
-              <a:t>y</a:t>
-            </a:r>
-            <a:r>
-              <a:rPr lang="zh-CN" altLang="en-US" dirty="0"/>
-              <a:t>_train = np_utils.to_categorical(y_train)</a:t>
-            </a:r>
+              <a:t> y_pred = sess.run(y_, {x: x_test})</a:t>
+            </a:r>
+          </a:p>
+          <a:p>
             <a:endParaRPr lang="zh-CN" altLang="en-US" dirty="0"/>
+          </a:p>
+          <a:p>
+            <a:r>
+              <a:rPr lang="zh-CN" altLang="en-US" dirty="0"/>
+              <a:t>y_pred = np.argmax(y_pred, axis=-1)</a:t>
+            </a:r>
+          </a:p>
+          <a:p>
+            <a:r>
+              <a:rPr lang="zh-CN" altLang="en-US" dirty="0"/>
+              <a:t>save_file = os.path.join('result', 'mlp_tensordlow.csv')</a:t>
+            </a:r>
+          </a:p>
+          <a:p>
+            <a:r>
+              <a:rPr lang="zh-CN" altLang="en-US" dirty="0"/>
+              <a:t>save_result(y_pred, save_file)</a:t>
+            </a:r>
           </a:p>
         </p:txBody>
       </p:sp>
     </p:spTree>
     <p:extLst>
       <p:ext uri="{BB962C8B-B14F-4D97-AF65-F5344CB8AC3E}">
-        <p14:creationId xmlns:p14="http://schemas.microsoft.com/office/powerpoint/2010/main" val="2724192412"/>
+        <p14:creationId xmlns:p14="http://schemas.microsoft.com/office/powerpoint/2010/main" val="2001625686"/>
       </p:ext>
     </p:extLst>
   </p:cSld>
@@ -6352,6 +6209,252 @@
       </p:grpSpPr>
       <p:sp>
         <p:nvSpPr>
+          <p:cNvPr id="3" name="标题 2"/>
+          <p:cNvSpPr>
+            <a:spLocks noGrp="1"/>
+          </p:cNvSpPr>
+          <p:nvPr>
+            <p:ph type="title"/>
+          </p:nvPr>
+        </p:nvSpPr>
+        <p:spPr/>
+        <p:txBody>
+          <a:bodyPr/>
+          <a:lstStyle/>
+          <a:p>
+            <a:r>
+              <a:rPr lang="en-US" altLang="zh-CN" dirty="0"/>
+              <a:t>Multi-layer Perceptron - Keras</a:t>
+            </a:r>
+            <a:endParaRPr lang="zh-CN" altLang="en-US" dirty="0"/>
+          </a:p>
+        </p:txBody>
+      </p:sp>
+      <p:sp>
+        <p:nvSpPr>
+          <p:cNvPr id="4" name="内容占位符 1"/>
+          <p:cNvSpPr>
+            <a:spLocks noGrp="1"/>
+          </p:cNvSpPr>
+          <p:nvPr>
+            <p:ph sz="half" idx="2"/>
+          </p:nvPr>
+        </p:nvSpPr>
+        <p:spPr>
+          <a:xfrm>
+            <a:off x="457200" y="1268760"/>
+            <a:ext cx="8229600" cy="4857403"/>
+          </a:xfrm>
+        </p:spPr>
+        <p:txBody>
+          <a:bodyPr/>
+          <a:lstStyle/>
+          <a:p>
+            <a:pPr marL="342900" indent="-342900">
+              <a:buFont typeface="Wingdings" panose="05000000000000000000" pitchFamily="2" charset="2"/>
+              <a:buChar char="l"/>
+            </a:pPr>
+            <a:r>
+              <a:rPr lang="en-US" altLang="zh-CN" dirty="0" smtClean="0"/>
+              <a:t>Loading data:</a:t>
+            </a:r>
+          </a:p>
+          <a:p>
+            <a:pPr marL="342900" indent="-342900">
+              <a:buFont typeface="Wingdings" panose="05000000000000000000" pitchFamily="2" charset="2"/>
+              <a:buChar char="l"/>
+            </a:pPr>
+            <a:endParaRPr lang="en-US" altLang="zh-CN" dirty="0"/>
+          </a:p>
+          <a:p>
+            <a:pPr marL="342900" indent="-342900">
+              <a:buFont typeface="Wingdings" panose="05000000000000000000" pitchFamily="2" charset="2"/>
+              <a:buChar char="l"/>
+            </a:pPr>
+            <a:endParaRPr lang="en-US" altLang="zh-CN" dirty="0" smtClean="0"/>
+          </a:p>
+          <a:p>
+            <a:pPr marL="342900" indent="-342900">
+              <a:buFont typeface="Wingdings" panose="05000000000000000000" pitchFamily="2" charset="2"/>
+              <a:buChar char="l"/>
+            </a:pPr>
+            <a:endParaRPr lang="en-US" altLang="zh-CN" dirty="0"/>
+          </a:p>
+          <a:p>
+            <a:pPr marL="342900" indent="-342900">
+              <a:buFont typeface="Wingdings" panose="05000000000000000000" pitchFamily="2" charset="2"/>
+              <a:buChar char="l"/>
+            </a:pPr>
+            <a:endParaRPr lang="en-US" altLang="zh-CN" dirty="0" smtClean="0"/>
+          </a:p>
+          <a:p>
+            <a:pPr marL="342900" indent="-342900">
+              <a:buFont typeface="Wingdings" panose="05000000000000000000" pitchFamily="2" charset="2"/>
+              <a:buChar char="l"/>
+            </a:pPr>
+            <a:r>
+              <a:rPr lang="en-US" altLang="zh-CN" dirty="0" smtClean="0"/>
+              <a:t>Convert </a:t>
+            </a:r>
+            <a:r>
+              <a:rPr lang="en-US" altLang="zh-CN" dirty="0" err="1" smtClean="0"/>
+              <a:t>y_train</a:t>
+            </a:r>
+            <a:r>
+              <a:rPr lang="en-US" altLang="zh-CN" dirty="0" smtClean="0"/>
+              <a:t> to One-hot Representation</a:t>
+            </a:r>
+          </a:p>
+          <a:p>
+            <a:pPr marL="342900" indent="-342900">
+              <a:buFont typeface="Wingdings" panose="05000000000000000000" pitchFamily="2" charset="2"/>
+              <a:buChar char="l"/>
+            </a:pPr>
+            <a:endParaRPr lang="zh-CN" altLang="en-US" dirty="0"/>
+          </a:p>
+        </p:txBody>
+      </p:sp>
+      <p:sp>
+        <p:nvSpPr>
+          <p:cNvPr id="5" name="矩形 4"/>
+          <p:cNvSpPr/>
+          <p:nvPr/>
+        </p:nvSpPr>
+        <p:spPr>
+          <a:xfrm>
+            <a:off x="755576" y="1988840"/>
+            <a:ext cx="7272808" cy="1477328"/>
+          </a:xfrm>
+          <a:prstGeom prst="rect">
+            <a:avLst/>
+          </a:prstGeom>
+        </p:spPr>
+        <p:txBody>
+          <a:bodyPr wrap="square">
+            <a:spAutoFit/>
+          </a:bodyPr>
+          <a:lstStyle/>
+          <a:p>
+            <a:r>
+              <a:rPr lang="zh-CN" altLang="en-US" dirty="0"/>
+              <a:t>train_file = os.path.join('data', 'train.csv')</a:t>
+            </a:r>
+          </a:p>
+          <a:p>
+            <a:r>
+              <a:rPr lang="zh-CN" altLang="en-US" dirty="0"/>
+              <a:t>test_file = os.path.join('data', 'test.csv')</a:t>
+            </a:r>
+          </a:p>
+          <a:p>
+            <a:r>
+              <a:rPr lang="zh-CN" altLang="en-US" dirty="0"/>
+              <a:t>x_train, y_train = load_train_data(train_file)</a:t>
+            </a:r>
+          </a:p>
+          <a:p>
+            <a:r>
+              <a:rPr lang="zh-CN" altLang="en-US" dirty="0" smtClean="0"/>
+              <a:t>x</a:t>
+            </a:r>
+            <a:r>
+              <a:rPr lang="zh-CN" altLang="en-US" dirty="0"/>
+              <a:t>_test = load_test_data(test_file</a:t>
+            </a:r>
+            <a:r>
+              <a:rPr lang="zh-CN" altLang="en-US" dirty="0" smtClean="0"/>
+              <a:t>)</a:t>
+            </a:r>
+            <a:endParaRPr lang="en-US" altLang="zh-CN" dirty="0" smtClean="0"/>
+          </a:p>
+          <a:p>
+            <a:endParaRPr lang="en-US" altLang="zh-CN" dirty="0"/>
+          </a:p>
+        </p:txBody>
+      </p:sp>
+      <p:sp>
+        <p:nvSpPr>
+          <p:cNvPr id="6" name="矩形 5"/>
+          <p:cNvSpPr/>
+          <p:nvPr/>
+        </p:nvSpPr>
+        <p:spPr>
+          <a:xfrm>
+            <a:off x="779889" y="4187317"/>
+            <a:ext cx="3995517" cy="646331"/>
+          </a:xfrm>
+          <a:prstGeom prst="rect">
+            <a:avLst/>
+          </a:prstGeom>
+        </p:spPr>
+        <p:txBody>
+          <a:bodyPr wrap="none">
+            <a:spAutoFit/>
+          </a:bodyPr>
+          <a:lstStyle/>
+          <a:p>
+            <a:r>
+              <a:rPr lang="en-US" altLang="zh-CN" dirty="0"/>
+              <a:t>from </a:t>
+            </a:r>
+            <a:r>
+              <a:rPr lang="en-US" altLang="zh-CN" dirty="0" err="1"/>
+              <a:t>keras.utils</a:t>
+            </a:r>
+            <a:r>
+              <a:rPr lang="en-US" altLang="zh-CN" dirty="0"/>
+              <a:t> import </a:t>
+            </a:r>
+            <a:r>
+              <a:rPr lang="en-US" altLang="zh-CN" dirty="0" err="1"/>
+              <a:t>np_utils</a:t>
+            </a:r>
+            <a:endParaRPr lang="en-US" altLang="zh-CN" dirty="0"/>
+          </a:p>
+          <a:p>
+            <a:r>
+              <a:rPr lang="zh-CN" altLang="en-US" dirty="0" smtClean="0"/>
+              <a:t>y</a:t>
+            </a:r>
+            <a:r>
+              <a:rPr lang="zh-CN" altLang="en-US" dirty="0"/>
+              <a:t>_train = np_utils.to_categorical(y_train)</a:t>
+            </a:r>
+          </a:p>
+        </p:txBody>
+      </p:sp>
+    </p:spTree>
+    <p:extLst>
+      <p:ext uri="{BB962C8B-B14F-4D97-AF65-F5344CB8AC3E}">
+        <p14:creationId xmlns:p14="http://schemas.microsoft.com/office/powerpoint/2010/main" val="2724192412"/>
+      </p:ext>
+    </p:extLst>
+  </p:cSld>
+  <p:clrMapOvr>
+    <a:masterClrMapping/>
+  </p:clrMapOvr>
+</p:sld>
+</file>
+
+<file path=ppt/slides/slide17.xml><?xml version="1.0" encoding="utf-8"?>
+<p:sld xmlns:a="http://schemas.openxmlformats.org/drawingml/2006/main" xmlns:r="http://schemas.openxmlformats.org/officeDocument/2006/relationships" xmlns:p="http://schemas.openxmlformats.org/presentationml/2006/main">
+  <p:cSld>
+    <p:spTree>
+      <p:nvGrpSpPr>
+        <p:cNvPr id="1" name=""/>
+        <p:cNvGrpSpPr/>
+        <p:nvPr/>
+      </p:nvGrpSpPr>
+      <p:grpSpPr>
+        <a:xfrm>
+          <a:off x="0" y="0"/>
+          <a:ext cx="0" cy="0"/>
+          <a:chOff x="0" y="0"/>
+          <a:chExt cx="0" cy="0"/>
+        </a:xfrm>
+      </p:grpSpPr>
+      <p:sp>
+        <p:nvSpPr>
           <p:cNvPr id="2" name="内容占位符 1"/>
           <p:cNvSpPr>
             <a:spLocks noGrp="1"/>
@@ -6496,7 +6599,7 @@
 </p:sld>
 </file>
 
-<file path=ppt/slides/slide17.xml><?xml version="1.0" encoding="utf-8"?>
+<file path=ppt/slides/slide18.xml><?xml version="1.0" encoding="utf-8"?>
 <p:sld xmlns:a="http://schemas.openxmlformats.org/drawingml/2006/main" xmlns:r="http://schemas.openxmlformats.org/officeDocument/2006/relationships" xmlns:p="http://schemas.openxmlformats.org/presentationml/2006/main">
   <p:cSld>
     <p:spTree>
